--- a/notes/csc493-ln010.pptx
+++ b/notes/csc493-ln010.pptx
@@ -5,10 +5,10 @@
     <p:sldMasterId id="2147483651" r:id="rId1"/>
   </p:sldMasterIdLst>
   <p:notesMasterIdLst>
-    <p:notesMasterId r:id="rId13"/>
+    <p:notesMasterId r:id="rId17"/>
   </p:notesMasterIdLst>
   <p:handoutMasterIdLst>
-    <p:handoutMasterId r:id="rId14"/>
+    <p:handoutMasterId r:id="rId18"/>
   </p:handoutMasterIdLst>
   <p:sldIdLst>
     <p:sldId id="267" r:id="rId2"/>
@@ -21,7 +21,11 @@
     <p:sldId id="275" r:id="rId9"/>
     <p:sldId id="273" r:id="rId10"/>
     <p:sldId id="276" r:id="rId11"/>
-    <p:sldId id="277" r:id="rId12"/>
+    <p:sldId id="278" r:id="rId12"/>
+    <p:sldId id="279" r:id="rId13"/>
+    <p:sldId id="280" r:id="rId14"/>
+    <p:sldId id="281" r:id="rId15"/>
+    <p:sldId id="277" r:id="rId16"/>
   </p:sldIdLst>
   <p:sldSz cx="9144000" cy="6858000" type="screen4x3"/>
   <p:notesSz cx="6856413" cy="9083675"/>
@@ -6588,6 +6592,1718 @@
 </file>
 
 <file path=ppt/slides/slide11.xml><?xml version="1.0" encoding="utf-8"?>
+<p:sld xmlns:a="http://schemas.openxmlformats.org/drawingml/2006/main" xmlns:r="http://schemas.openxmlformats.org/officeDocument/2006/relationships" xmlns:p="http://schemas.openxmlformats.org/presentationml/2006/main">
+  <p:cSld>
+    <p:spTree>
+      <p:nvGrpSpPr>
+        <p:cNvPr id="1" name=""/>
+        <p:cNvGrpSpPr/>
+        <p:nvPr/>
+      </p:nvGrpSpPr>
+      <p:grpSpPr>
+        <a:xfrm>
+          <a:off x="0" y="0"/>
+          <a:ext cx="0" cy="0"/>
+          <a:chOff x="0" y="0"/>
+          <a:chExt cx="0" cy="0"/>
+        </a:xfrm>
+      </p:grpSpPr>
+      <p:sp>
+        <p:nvSpPr>
+          <p:cNvPr id="3" name="Title 2">
+            <a:extLst>
+              <a:ext uri="{FF2B5EF4-FFF2-40B4-BE49-F238E27FC236}">
+                <a16:creationId xmlns:a16="http://schemas.microsoft.com/office/drawing/2014/main" id="{6E4DD524-948B-224E-8FA6-ACAB152E81FF}"/>
+              </a:ext>
+            </a:extLst>
+          </p:cNvPr>
+          <p:cNvSpPr>
+            <a:spLocks noGrp="1"/>
+          </p:cNvSpPr>
+          <p:nvPr>
+            <p:ph type="title"/>
+          </p:nvPr>
+        </p:nvSpPr>
+        <p:spPr/>
+        <p:txBody>
+          <a:bodyPr/>
+          <a:lstStyle/>
+          <a:p>
+            <a:r>
+              <a:rPr lang="en-US" dirty="0"/>
+              <a:t>Function as Values: Another Look</a:t>
+            </a:r>
+          </a:p>
+        </p:txBody>
+      </p:sp>
+      <p:sp>
+        <p:nvSpPr>
+          <p:cNvPr id="4" name="Content Placeholder 3">
+            <a:extLst>
+              <a:ext uri="{FF2B5EF4-FFF2-40B4-BE49-F238E27FC236}">
+                <a16:creationId xmlns:a16="http://schemas.microsoft.com/office/drawing/2014/main" id="{29A10DF4-F7B7-6F40-98A1-3A875D17B5AF}"/>
+              </a:ext>
+            </a:extLst>
+          </p:cNvPr>
+          <p:cNvSpPr>
+            <a:spLocks noGrp="1"/>
+          </p:cNvSpPr>
+          <p:nvPr>
+            <p:ph idx="1"/>
+          </p:nvPr>
+        </p:nvSpPr>
+        <p:spPr>
+          <a:xfrm>
+            <a:off x="1524000" y="2667000"/>
+            <a:ext cx="7010400" cy="1981201"/>
+          </a:xfrm>
+        </p:spPr>
+        <p:txBody>
+          <a:bodyPr/>
+          <a:lstStyle/>
+          <a:p>
+            <a:r>
+              <a:rPr lang="en-US" dirty="0"/>
+              <a:t>If we view functions as values, then they have to belong to a type.</a:t>
+            </a:r>
+          </a:p>
+          <a:p>
+            <a:r>
+              <a:rPr lang="en-US" dirty="0"/>
+              <a:t>We can use ML’s type system to compute the function types,</a:t>
+            </a:r>
+          </a:p>
+        </p:txBody>
+      </p:sp>
+      <p:sp>
+        <p:nvSpPr>
+          <p:cNvPr id="5" name="TextBox 4">
+            <a:extLst>
+              <a:ext uri="{FF2B5EF4-FFF2-40B4-BE49-F238E27FC236}">
+                <a16:creationId xmlns:a16="http://schemas.microsoft.com/office/drawing/2014/main" id="{F821FBDC-F0D4-164D-BA8D-B24533E75DF3}"/>
+              </a:ext>
+            </a:extLst>
+          </p:cNvPr>
+          <p:cNvSpPr txBox="1"/>
+          <p:nvPr/>
+        </p:nvSpPr>
+        <p:spPr>
+          <a:xfrm>
+            <a:off x="3059723" y="1809690"/>
+            <a:ext cx="3080587" cy="400110"/>
+          </a:xfrm>
+          <a:prstGeom prst="rect">
+            <a:avLst/>
+          </a:prstGeom>
+          <a:noFill/>
+          <a:ln>
+            <a:solidFill>
+              <a:schemeClr val="tx1"/>
+            </a:solidFill>
+          </a:ln>
+        </p:spPr>
+        <p:txBody>
+          <a:bodyPr wrap="none" rtlCol="0">
+            <a:spAutoFit/>
+          </a:bodyPr>
+          <a:lstStyle/>
+          <a:p>
+            <a:r>
+              <a:rPr lang="en-US" dirty="0"/>
+              <a:t>A Type is a Set of Values.</a:t>
+            </a:r>
+          </a:p>
+        </p:txBody>
+      </p:sp>
+      <p:grpSp>
+        <p:nvGrpSpPr>
+          <p:cNvPr id="15" name="Group 14">
+            <a:extLst>
+              <a:ext uri="{FF2B5EF4-FFF2-40B4-BE49-F238E27FC236}">
+                <a16:creationId xmlns:a16="http://schemas.microsoft.com/office/drawing/2014/main" id="{875E4E0E-F211-CA4F-A3B6-984722D47FCA}"/>
+              </a:ext>
+            </a:extLst>
+          </p:cNvPr>
+          <p:cNvGrpSpPr/>
+          <p:nvPr/>
+        </p:nvGrpSpPr>
+        <p:grpSpPr>
+          <a:xfrm>
+            <a:off x="533400" y="4800600"/>
+            <a:ext cx="3416300" cy="796926"/>
+            <a:chOff x="533400" y="4800600"/>
+            <a:chExt cx="3416300" cy="796926"/>
+          </a:xfrm>
+        </p:grpSpPr>
+        <p:pic>
+          <p:nvPicPr>
+            <p:cNvPr id="6" name="Picture 5">
+              <a:extLst>
+                <a:ext uri="{FF2B5EF4-FFF2-40B4-BE49-F238E27FC236}">
+                  <a16:creationId xmlns:a16="http://schemas.microsoft.com/office/drawing/2014/main" id="{FA8116EB-9C23-EF43-AB3B-4CEEF8747C78}"/>
+                </a:ext>
+              </a:extLst>
+            </p:cNvPr>
+            <p:cNvPicPr>
+              <a:picLocks noChangeAspect="1"/>
+            </p:cNvPicPr>
+            <p:nvPr/>
+          </p:nvPicPr>
+          <p:blipFill rotWithShape="1">
+            <a:blip r:embed="rId2"/>
+            <a:srcRect b="57417"/>
+            <a:stretch/>
+          </p:blipFill>
+          <p:spPr>
+            <a:xfrm>
+              <a:off x="533400" y="5105401"/>
+              <a:ext cx="3416300" cy="492125"/>
+            </a:xfrm>
+            <a:prstGeom prst="rect">
+              <a:avLst/>
+            </a:prstGeom>
+          </p:spPr>
+        </p:pic>
+        <p:sp>
+          <p:nvSpPr>
+            <p:cNvPr id="7" name="Down Arrow 6">
+              <a:extLst>
+                <a:ext uri="{FF2B5EF4-FFF2-40B4-BE49-F238E27FC236}">
+                  <a16:creationId xmlns:a16="http://schemas.microsoft.com/office/drawing/2014/main" id="{E610EA3C-DEB9-8847-A265-D73BDEC29F23}"/>
+                </a:ext>
+              </a:extLst>
+            </p:cNvPr>
+            <p:cNvSpPr/>
+            <p:nvPr/>
+          </p:nvSpPr>
+          <p:spPr bwMode="auto">
+            <a:xfrm rot="1197021">
+              <a:off x="2667000" y="4800600"/>
+              <a:ext cx="228600" cy="533400"/>
+            </a:xfrm>
+            <a:prstGeom prst="downArrow">
+              <a:avLst/>
+            </a:prstGeom>
+            <a:solidFill>
+              <a:srgbClr val="FF0000"/>
+            </a:solidFill>
+            <a:ln w="9525" cap="flat" cmpd="sng" algn="ctr">
+              <a:solidFill>
+                <a:schemeClr val="tx1"/>
+              </a:solidFill>
+              <a:prstDash val="solid"/>
+              <a:round/>
+              <a:headEnd type="none" w="med" len="med"/>
+              <a:tailEnd type="none" w="med" len="med"/>
+            </a:ln>
+            <a:effectLst/>
+            <a:extLst>
+              <a:ext uri="{AF507438-7753-43e0-B8FC-AC1667EBCBE1}">
+                <a14:hiddenEffects xmlns:a14="http://schemas.microsoft.com/office/drawing/2010/main" xmlns="">
+                  <a:effectLst>
+                    <a:outerShdw blurRad="63500" dist="38099" dir="2700000" algn="ctr" rotWithShape="0">
+                      <a:schemeClr val="bg2">
+                        <a:alpha val="74998"/>
+                      </a:schemeClr>
+                    </a:outerShdw>
+                  </a:effectLst>
+                </a14:hiddenEffects>
+              </a:ext>
+            </a:extLst>
+          </p:spPr>
+          <p:txBody>
+            <a:bodyPr vert="horz" wrap="square" lIns="91440" tIns="45720" rIns="91440" bIns="45720" numCol="1" rtlCol="0" anchor="t" anchorCtr="0" compatLnSpc="1">
+              <a:prstTxWarp prst="textNoShape">
+                <a:avLst/>
+              </a:prstTxWarp>
+            </a:bodyPr>
+            <a:lstStyle/>
+            <a:p>
+              <a:pPr marL="0" marR="0" indent="0" algn="l" defTabSz="914400" rtl="0" eaLnBrk="0" fontAlgn="base" latinLnBrk="0" hangingPunct="0">
+                <a:lnSpc>
+                  <a:spcPct val="100000"/>
+                </a:lnSpc>
+                <a:spcBef>
+                  <a:spcPct val="0"/>
+                </a:spcBef>
+                <a:spcAft>
+                  <a:spcPct val="0"/>
+                </a:spcAft>
+                <a:buClrTx/>
+                <a:buSzTx/>
+                <a:buFontTx/>
+                <a:buNone/>
+                <a:tabLst/>
+              </a:pPr>
+              <a:endParaRPr kumimoji="0" lang="en-US" sz="1600" b="0" i="0" u="none" strike="noStrike" cap="none" normalizeH="0" baseline="0">
+                <a:ln>
+                  <a:noFill/>
+                </a:ln>
+                <a:solidFill>
+                  <a:srgbClr val="000000"/>
+                </a:solidFill>
+                <a:effectLst/>
+                <a:latin typeface="Arial" charset="0"/>
+                <a:ea typeface="ＭＳ Ｐゴシック" charset="0"/>
+              </a:endParaRPr>
+            </a:p>
+          </p:txBody>
+        </p:sp>
+      </p:grpSp>
+      <p:grpSp>
+        <p:nvGrpSpPr>
+          <p:cNvPr id="13" name="Group 12">
+            <a:extLst>
+              <a:ext uri="{FF2B5EF4-FFF2-40B4-BE49-F238E27FC236}">
+                <a16:creationId xmlns:a16="http://schemas.microsoft.com/office/drawing/2014/main" id="{B4E7B402-23EC-294E-B636-811240CEBC4A}"/>
+              </a:ext>
+            </a:extLst>
+          </p:cNvPr>
+          <p:cNvGrpSpPr/>
+          <p:nvPr/>
+        </p:nvGrpSpPr>
+        <p:grpSpPr>
+          <a:xfrm>
+            <a:off x="5219700" y="4572000"/>
+            <a:ext cx="2628900" cy="1054100"/>
+            <a:chOff x="4517954" y="4937126"/>
+            <a:chExt cx="2628900" cy="1054100"/>
+          </a:xfrm>
+        </p:grpSpPr>
+        <p:pic>
+          <p:nvPicPr>
+            <p:cNvPr id="11" name="Picture 10">
+              <a:extLst>
+                <a:ext uri="{FF2B5EF4-FFF2-40B4-BE49-F238E27FC236}">
+                  <a16:creationId xmlns:a16="http://schemas.microsoft.com/office/drawing/2014/main" id="{090467D3-9F0E-FC49-973A-31D30D9277DD}"/>
+                </a:ext>
+              </a:extLst>
+            </p:cNvPr>
+            <p:cNvPicPr>
+              <a:picLocks noChangeAspect="1"/>
+            </p:cNvPicPr>
+            <p:nvPr/>
+          </p:nvPicPr>
+          <p:blipFill>
+            <a:blip r:embed="rId3"/>
+            <a:stretch>
+              <a:fillRect/>
+            </a:stretch>
+          </p:blipFill>
+          <p:spPr>
+            <a:xfrm>
+              <a:off x="4517954" y="5203826"/>
+              <a:ext cx="2628900" cy="787400"/>
+            </a:xfrm>
+            <a:prstGeom prst="rect">
+              <a:avLst/>
+            </a:prstGeom>
+          </p:spPr>
+        </p:pic>
+        <p:sp>
+          <p:nvSpPr>
+            <p:cNvPr id="10" name="Down Arrow 9">
+              <a:extLst>
+                <a:ext uri="{FF2B5EF4-FFF2-40B4-BE49-F238E27FC236}">
+                  <a16:creationId xmlns:a16="http://schemas.microsoft.com/office/drawing/2014/main" id="{104444AA-FBF5-C54E-8CFF-4482E00621B4}"/>
+                </a:ext>
+              </a:extLst>
+            </p:cNvPr>
+            <p:cNvSpPr/>
+            <p:nvPr/>
+          </p:nvSpPr>
+          <p:spPr bwMode="auto">
+            <a:xfrm rot="1197021">
+              <a:off x="6561140" y="4937126"/>
+              <a:ext cx="228600" cy="533400"/>
+            </a:xfrm>
+            <a:prstGeom prst="downArrow">
+              <a:avLst/>
+            </a:prstGeom>
+            <a:solidFill>
+              <a:srgbClr val="FF0000"/>
+            </a:solidFill>
+            <a:ln w="9525" cap="flat" cmpd="sng" algn="ctr">
+              <a:solidFill>
+                <a:schemeClr val="tx1"/>
+              </a:solidFill>
+              <a:prstDash val="solid"/>
+              <a:round/>
+              <a:headEnd type="none" w="med" len="med"/>
+              <a:tailEnd type="none" w="med" len="med"/>
+            </a:ln>
+            <a:effectLst/>
+            <a:extLst>
+              <a:ext uri="{AF507438-7753-43e0-B8FC-AC1667EBCBE1}">
+                <a14:hiddenEffects xmlns:a14="http://schemas.microsoft.com/office/drawing/2010/main" xmlns="">
+                  <a:effectLst>
+                    <a:outerShdw blurRad="63500" dist="38099" dir="2700000" algn="ctr" rotWithShape="0">
+                      <a:schemeClr val="bg2">
+                        <a:alpha val="74998"/>
+                      </a:schemeClr>
+                    </a:outerShdw>
+                  </a:effectLst>
+                </a14:hiddenEffects>
+              </a:ext>
+            </a:extLst>
+          </p:spPr>
+          <p:txBody>
+            <a:bodyPr vert="horz" wrap="square" lIns="91440" tIns="45720" rIns="91440" bIns="45720" numCol="1" rtlCol="0" anchor="t" anchorCtr="0" compatLnSpc="1">
+              <a:prstTxWarp prst="textNoShape">
+                <a:avLst/>
+              </a:prstTxWarp>
+            </a:bodyPr>
+            <a:lstStyle/>
+            <a:p>
+              <a:pPr marL="0" marR="0" indent="0" algn="l" defTabSz="914400" rtl="0" eaLnBrk="0" fontAlgn="base" latinLnBrk="0" hangingPunct="0">
+                <a:lnSpc>
+                  <a:spcPct val="100000"/>
+                </a:lnSpc>
+                <a:spcBef>
+                  <a:spcPct val="0"/>
+                </a:spcBef>
+                <a:spcAft>
+                  <a:spcPct val="0"/>
+                </a:spcAft>
+                <a:buClrTx/>
+                <a:buSzTx/>
+                <a:buFontTx/>
+                <a:buNone/>
+                <a:tabLst/>
+              </a:pPr>
+              <a:endParaRPr kumimoji="0" lang="en-US" sz="1600" b="0" i="0" u="none" strike="noStrike" cap="none" normalizeH="0" baseline="0">
+                <a:ln>
+                  <a:noFill/>
+                </a:ln>
+                <a:solidFill>
+                  <a:srgbClr val="000000"/>
+                </a:solidFill>
+                <a:effectLst/>
+                <a:latin typeface="Arial" charset="0"/>
+                <a:ea typeface="ＭＳ Ｐゴシック" charset="0"/>
+              </a:endParaRPr>
+            </a:p>
+          </p:txBody>
+        </p:sp>
+      </p:grpSp>
+      <p:grpSp>
+        <p:nvGrpSpPr>
+          <p:cNvPr id="14" name="Group 13">
+            <a:extLst>
+              <a:ext uri="{FF2B5EF4-FFF2-40B4-BE49-F238E27FC236}">
+                <a16:creationId xmlns:a16="http://schemas.microsoft.com/office/drawing/2014/main" id="{007C4281-53CE-F649-BB0B-AA4031EAE231}"/>
+              </a:ext>
+            </a:extLst>
+          </p:cNvPr>
+          <p:cNvGrpSpPr/>
+          <p:nvPr/>
+        </p:nvGrpSpPr>
+        <p:grpSpPr>
+          <a:xfrm>
+            <a:off x="1815324" y="5728916"/>
+            <a:ext cx="3416300" cy="995173"/>
+            <a:chOff x="1815324" y="5728916"/>
+            <a:chExt cx="3416300" cy="995173"/>
+          </a:xfrm>
+        </p:grpSpPr>
+        <p:pic>
+          <p:nvPicPr>
+            <p:cNvPr id="12" name="Picture 11">
+              <a:extLst>
+                <a:ext uri="{FF2B5EF4-FFF2-40B4-BE49-F238E27FC236}">
+                  <a16:creationId xmlns:a16="http://schemas.microsoft.com/office/drawing/2014/main" id="{67031AE8-C93C-6647-A59A-A8F9E56EBFB2}"/>
+                </a:ext>
+              </a:extLst>
+            </p:cNvPr>
+            <p:cNvPicPr>
+              <a:picLocks noChangeAspect="1"/>
+            </p:cNvPicPr>
+            <p:nvPr/>
+          </p:nvPicPr>
+          <p:blipFill rotWithShape="1">
+            <a:blip r:embed="rId2"/>
+            <a:srcRect t="36967"/>
+            <a:stretch/>
+          </p:blipFill>
+          <p:spPr>
+            <a:xfrm>
+              <a:off x="1815324" y="5995616"/>
+              <a:ext cx="3416300" cy="728473"/>
+            </a:xfrm>
+            <a:prstGeom prst="rect">
+              <a:avLst/>
+            </a:prstGeom>
+          </p:spPr>
+        </p:pic>
+        <p:sp>
+          <p:nvSpPr>
+            <p:cNvPr id="8" name="Down Arrow 7">
+              <a:extLst>
+                <a:ext uri="{FF2B5EF4-FFF2-40B4-BE49-F238E27FC236}">
+                  <a16:creationId xmlns:a16="http://schemas.microsoft.com/office/drawing/2014/main" id="{04B787B0-7670-2244-8F0A-C2DB0305664E}"/>
+                </a:ext>
+              </a:extLst>
+            </p:cNvPr>
+            <p:cNvSpPr/>
+            <p:nvPr/>
+          </p:nvSpPr>
+          <p:spPr bwMode="auto">
+            <a:xfrm rot="2276129">
+              <a:off x="4457700" y="5728916"/>
+              <a:ext cx="228600" cy="533400"/>
+            </a:xfrm>
+            <a:prstGeom prst="downArrow">
+              <a:avLst/>
+            </a:prstGeom>
+            <a:solidFill>
+              <a:srgbClr val="FF0000"/>
+            </a:solidFill>
+            <a:ln w="9525" cap="flat" cmpd="sng" algn="ctr">
+              <a:solidFill>
+                <a:schemeClr val="tx1"/>
+              </a:solidFill>
+              <a:prstDash val="solid"/>
+              <a:round/>
+              <a:headEnd type="none" w="med" len="med"/>
+              <a:tailEnd type="none" w="med" len="med"/>
+            </a:ln>
+            <a:effectLst/>
+            <a:extLst>
+              <a:ext uri="{AF507438-7753-43e0-B8FC-AC1667EBCBE1}">
+                <a14:hiddenEffects xmlns:a14="http://schemas.microsoft.com/office/drawing/2010/main" xmlns="">
+                  <a:effectLst>
+                    <a:outerShdw blurRad="63500" dist="38099" dir="2700000" algn="ctr" rotWithShape="0">
+                      <a:schemeClr val="bg2">
+                        <a:alpha val="74998"/>
+                      </a:schemeClr>
+                    </a:outerShdw>
+                  </a:effectLst>
+                </a14:hiddenEffects>
+              </a:ext>
+            </a:extLst>
+          </p:spPr>
+          <p:txBody>
+            <a:bodyPr vert="horz" wrap="square" lIns="91440" tIns="45720" rIns="91440" bIns="45720" numCol="1" rtlCol="0" anchor="t" anchorCtr="0" compatLnSpc="1">
+              <a:prstTxWarp prst="textNoShape">
+                <a:avLst/>
+              </a:prstTxWarp>
+            </a:bodyPr>
+            <a:lstStyle/>
+            <a:p>
+              <a:pPr marL="0" marR="0" indent="0" algn="l" defTabSz="914400" rtl="0" eaLnBrk="0" fontAlgn="base" latinLnBrk="0" hangingPunct="0">
+                <a:lnSpc>
+                  <a:spcPct val="100000"/>
+                </a:lnSpc>
+                <a:spcBef>
+                  <a:spcPct val="0"/>
+                </a:spcBef>
+                <a:spcAft>
+                  <a:spcPct val="0"/>
+                </a:spcAft>
+                <a:buClrTx/>
+                <a:buSzTx/>
+                <a:buFontTx/>
+                <a:buNone/>
+                <a:tabLst/>
+              </a:pPr>
+              <a:endParaRPr kumimoji="0" lang="en-US" sz="1600" b="0" i="0" u="none" strike="noStrike" cap="none" normalizeH="0" baseline="0">
+                <a:ln>
+                  <a:noFill/>
+                </a:ln>
+                <a:solidFill>
+                  <a:srgbClr val="000000"/>
+                </a:solidFill>
+                <a:effectLst/>
+                <a:latin typeface="Arial" charset="0"/>
+                <a:ea typeface="ＭＳ Ｐゴシック" charset="0"/>
+              </a:endParaRPr>
+            </a:p>
+          </p:txBody>
+        </p:sp>
+      </p:grpSp>
+    </p:spTree>
+    <p:extLst>
+      <p:ext uri="{BB962C8B-B14F-4D97-AF65-F5344CB8AC3E}">
+        <p14:creationId xmlns:p14="http://schemas.microsoft.com/office/powerpoint/2010/main" val="2826650350"/>
+      </p:ext>
+    </p:extLst>
+  </p:cSld>
+  <p:clrMapOvr>
+    <a:masterClrMapping/>
+  </p:clrMapOvr>
+</p:sld>
+</file>
+
+<file path=ppt/slides/slide12.xml><?xml version="1.0" encoding="utf-8"?>
+<p:sld xmlns:a="http://schemas.openxmlformats.org/drawingml/2006/main" xmlns:r="http://schemas.openxmlformats.org/officeDocument/2006/relationships" xmlns:p="http://schemas.openxmlformats.org/presentationml/2006/main">
+  <p:cSld>
+    <p:spTree>
+      <p:nvGrpSpPr>
+        <p:cNvPr id="1" name=""/>
+        <p:cNvGrpSpPr/>
+        <p:nvPr/>
+      </p:nvGrpSpPr>
+      <p:grpSpPr>
+        <a:xfrm>
+          <a:off x="0" y="0"/>
+          <a:ext cx="0" cy="0"/>
+          <a:chOff x="0" y="0"/>
+          <a:chExt cx="0" cy="0"/>
+        </a:xfrm>
+      </p:grpSpPr>
+      <p:sp>
+        <p:nvSpPr>
+          <p:cNvPr id="3" name="Title 2">
+            <a:extLst>
+              <a:ext uri="{FF2B5EF4-FFF2-40B4-BE49-F238E27FC236}">
+                <a16:creationId xmlns:a16="http://schemas.microsoft.com/office/drawing/2014/main" id="{6E4DD524-948B-224E-8FA6-ACAB152E81FF}"/>
+              </a:ext>
+            </a:extLst>
+          </p:cNvPr>
+          <p:cNvSpPr>
+            <a:spLocks noGrp="1"/>
+          </p:cNvSpPr>
+          <p:nvPr>
+            <p:ph type="title"/>
+          </p:nvPr>
+        </p:nvSpPr>
+        <p:spPr/>
+        <p:txBody>
+          <a:bodyPr/>
+          <a:lstStyle/>
+          <a:p>
+            <a:r>
+              <a:rPr lang="en-US" dirty="0"/>
+              <a:t>Function as Values: Another Look</a:t>
+            </a:r>
+          </a:p>
+        </p:txBody>
+      </p:sp>
+      <p:sp>
+        <p:nvSpPr>
+          <p:cNvPr id="4" name="Content Placeholder 3">
+            <a:extLst>
+              <a:ext uri="{FF2B5EF4-FFF2-40B4-BE49-F238E27FC236}">
+                <a16:creationId xmlns:a16="http://schemas.microsoft.com/office/drawing/2014/main" id="{29A10DF4-F7B7-6F40-98A1-3A875D17B5AF}"/>
+              </a:ext>
+            </a:extLst>
+          </p:cNvPr>
+          <p:cNvSpPr>
+            <a:spLocks noGrp="1"/>
+          </p:cNvSpPr>
+          <p:nvPr>
+            <p:ph idx="1"/>
+          </p:nvPr>
+        </p:nvSpPr>
+        <p:spPr>
+          <a:xfrm>
+            <a:off x="1524000" y="1752599"/>
+            <a:ext cx="7010400" cy="990601"/>
+          </a:xfrm>
+        </p:spPr>
+        <p:txBody>
+          <a:bodyPr/>
+          <a:lstStyle/>
+          <a:p>
+            <a:r>
+              <a:rPr lang="en-US" dirty="0"/>
+              <a:t>In the previous slide we saw that we have at least two different types</a:t>
+            </a:r>
+          </a:p>
+        </p:txBody>
+      </p:sp>
+      <p:sp>
+        <p:nvSpPr>
+          <p:cNvPr id="2" name="Oval 1">
+            <a:extLst>
+              <a:ext uri="{FF2B5EF4-FFF2-40B4-BE49-F238E27FC236}">
+                <a16:creationId xmlns:a16="http://schemas.microsoft.com/office/drawing/2014/main" id="{D6CA4C28-5204-1942-BD45-66637AA369EF}"/>
+              </a:ext>
+            </a:extLst>
+          </p:cNvPr>
+          <p:cNvSpPr/>
+          <p:nvPr/>
+        </p:nvSpPr>
+        <p:spPr bwMode="auto">
+          <a:xfrm>
+            <a:off x="1143000" y="3733800"/>
+            <a:ext cx="2819400" cy="2743200"/>
+          </a:xfrm>
+          <a:prstGeom prst="ellipse">
+            <a:avLst/>
+          </a:prstGeom>
+          <a:noFill/>
+          <a:ln w="9525" cap="flat" cmpd="sng" algn="ctr">
+            <a:solidFill>
+              <a:schemeClr val="tx1"/>
+            </a:solidFill>
+            <a:prstDash val="solid"/>
+            <a:round/>
+            <a:headEnd type="none" w="med" len="med"/>
+            <a:tailEnd type="none" w="med" len="med"/>
+          </a:ln>
+          <a:effectLst/>
+          <a:extLst>
+            <a:ext uri="{AF507438-7753-43e0-B8FC-AC1667EBCBE1}">
+              <a14:hiddenEffects xmlns:a14="http://schemas.microsoft.com/office/drawing/2010/main" xmlns="">
+                <a:effectLst>
+                  <a:outerShdw blurRad="63500" dist="38099" dir="2700000" algn="ctr" rotWithShape="0">
+                    <a:schemeClr val="bg2">
+                      <a:alpha val="74998"/>
+                    </a:schemeClr>
+                  </a:outerShdw>
+                </a:effectLst>
+              </a14:hiddenEffects>
+            </a:ext>
+          </a:extLst>
+        </p:spPr>
+        <p:txBody>
+          <a:bodyPr vert="horz" wrap="square" lIns="91440" tIns="45720" rIns="91440" bIns="45720" numCol="1" rtlCol="0" anchor="t" anchorCtr="0" compatLnSpc="1">
+            <a:prstTxWarp prst="textNoShape">
+              <a:avLst/>
+            </a:prstTxWarp>
+          </a:bodyPr>
+          <a:lstStyle/>
+          <a:p>
+            <a:pPr marL="0" marR="0" indent="0" algn="l" defTabSz="914400" rtl="0" eaLnBrk="0" fontAlgn="base" latinLnBrk="0" hangingPunct="0">
+              <a:lnSpc>
+                <a:spcPct val="100000"/>
+              </a:lnSpc>
+              <a:spcBef>
+                <a:spcPct val="0"/>
+              </a:spcBef>
+              <a:spcAft>
+                <a:spcPct val="0"/>
+              </a:spcAft>
+              <a:buClrTx/>
+              <a:buSzTx/>
+              <a:buFontTx/>
+              <a:buNone/>
+              <a:tabLst/>
+            </a:pPr>
+            <a:endParaRPr kumimoji="0" lang="en-US" sz="1600" b="0" i="0" u="none" strike="noStrike" cap="none" normalizeH="0" baseline="0">
+              <a:ln>
+                <a:noFill/>
+              </a:ln>
+              <a:solidFill>
+                <a:srgbClr val="000000"/>
+              </a:solidFill>
+              <a:effectLst/>
+              <a:latin typeface="Arial" charset="0"/>
+              <a:ea typeface="ＭＳ Ｐゴシック" charset="0"/>
+            </a:endParaRPr>
+          </a:p>
+        </p:txBody>
+      </p:sp>
+      <p:sp>
+        <p:nvSpPr>
+          <p:cNvPr id="16" name="Oval 15">
+            <a:extLst>
+              <a:ext uri="{FF2B5EF4-FFF2-40B4-BE49-F238E27FC236}">
+                <a16:creationId xmlns:a16="http://schemas.microsoft.com/office/drawing/2014/main" id="{8139CB25-E644-B142-80BF-97606E1C7229}"/>
+              </a:ext>
+            </a:extLst>
+          </p:cNvPr>
+          <p:cNvSpPr/>
+          <p:nvPr/>
+        </p:nvSpPr>
+        <p:spPr bwMode="auto">
+          <a:xfrm>
+            <a:off x="5105400" y="3733800"/>
+            <a:ext cx="2819400" cy="2743200"/>
+          </a:xfrm>
+          <a:prstGeom prst="ellipse">
+            <a:avLst/>
+          </a:prstGeom>
+          <a:noFill/>
+          <a:ln w="9525" cap="flat" cmpd="sng" algn="ctr">
+            <a:solidFill>
+              <a:schemeClr val="tx1"/>
+            </a:solidFill>
+            <a:prstDash val="solid"/>
+            <a:round/>
+            <a:headEnd type="none" w="med" len="med"/>
+            <a:tailEnd type="none" w="med" len="med"/>
+          </a:ln>
+          <a:effectLst/>
+          <a:extLst>
+            <a:ext uri="{AF507438-7753-43e0-B8FC-AC1667EBCBE1}">
+              <a14:hiddenEffects xmlns:a14="http://schemas.microsoft.com/office/drawing/2010/main" xmlns="">
+                <a:effectLst>
+                  <a:outerShdw blurRad="63500" dist="38099" dir="2700000" algn="ctr" rotWithShape="0">
+                    <a:schemeClr val="bg2">
+                      <a:alpha val="74998"/>
+                    </a:schemeClr>
+                  </a:outerShdw>
+                </a:effectLst>
+              </a14:hiddenEffects>
+            </a:ext>
+          </a:extLst>
+        </p:spPr>
+        <p:txBody>
+          <a:bodyPr vert="horz" wrap="square" lIns="91440" tIns="45720" rIns="91440" bIns="45720" numCol="1" rtlCol="0" anchor="t" anchorCtr="0" compatLnSpc="1">
+            <a:prstTxWarp prst="textNoShape">
+              <a:avLst/>
+            </a:prstTxWarp>
+          </a:bodyPr>
+          <a:lstStyle/>
+          <a:p>
+            <a:pPr marL="0" marR="0" indent="0" algn="l" defTabSz="914400" rtl="0" eaLnBrk="0" fontAlgn="base" latinLnBrk="0" hangingPunct="0">
+              <a:lnSpc>
+                <a:spcPct val="100000"/>
+              </a:lnSpc>
+              <a:spcBef>
+                <a:spcPct val="0"/>
+              </a:spcBef>
+              <a:spcAft>
+                <a:spcPct val="0"/>
+              </a:spcAft>
+              <a:buClrTx/>
+              <a:buSzTx/>
+              <a:buFontTx/>
+              <a:buNone/>
+              <a:tabLst/>
+            </a:pPr>
+            <a:endParaRPr kumimoji="0" lang="en-US" sz="1600" b="0" i="0" u="none" strike="noStrike" cap="none" normalizeH="0" baseline="0">
+              <a:ln>
+                <a:noFill/>
+              </a:ln>
+              <a:solidFill>
+                <a:srgbClr val="000000"/>
+              </a:solidFill>
+              <a:effectLst/>
+              <a:latin typeface="Arial" charset="0"/>
+              <a:ea typeface="ＭＳ Ｐゴシック" charset="0"/>
+            </a:endParaRPr>
+          </a:p>
+        </p:txBody>
+      </p:sp>
+      <mc:AlternateContent xmlns:mc="http://schemas.openxmlformats.org/markup-compatibility/2006">
+        <mc:Choice xmlns:a14="http://schemas.microsoft.com/office/drawing/2010/main" Requires="a14">
+          <p:sp>
+            <p:nvSpPr>
+              <p:cNvPr id="17" name="TextBox 16">
+                <a:extLst>
+                  <a:ext uri="{FF2B5EF4-FFF2-40B4-BE49-F238E27FC236}">
+                    <a16:creationId xmlns:a16="http://schemas.microsoft.com/office/drawing/2014/main" id="{5CDBE824-389B-5649-861F-3444E5E36B88}"/>
+                  </a:ext>
+                </a:extLst>
+              </p:cNvPr>
+              <p:cNvSpPr txBox="1"/>
+              <p:nvPr/>
+            </p:nvSpPr>
+            <p:spPr>
+              <a:xfrm>
+                <a:off x="2057400" y="3256038"/>
+                <a:ext cx="1156920" cy="307777"/>
+              </a:xfrm>
+              <a:prstGeom prst="rect">
+                <a:avLst/>
+              </a:prstGeom>
+              <a:noFill/>
+            </p:spPr>
+            <p:txBody>
+              <a:bodyPr wrap="none" lIns="0" tIns="0" rIns="0" bIns="0" rtlCol="0">
+                <a:spAutoFit/>
+              </a:bodyPr>
+              <a:lstStyle/>
+              <a:p>
+                <a14:m>
+                  <m:oMathPara xmlns:m="http://schemas.openxmlformats.org/officeDocument/2006/math">
+                    <m:oMathParaPr>
+                      <m:jc m:val="centerGroup"/>
+                    </m:oMathParaPr>
+                    <m:oMath xmlns:m="http://schemas.openxmlformats.org/officeDocument/2006/math">
+                      <m:r>
+                        <a:rPr lang="en-US" b="0" i="1" smtClean="0">
+                          <a:latin typeface="Cambria Math" panose="02040503050406030204" pitchFamily="18" charset="0"/>
+                        </a:rPr>
+                        <m:t>𝑖𝑛𝑡</m:t>
+                      </m:r>
+                      <m:r>
+                        <a:rPr lang="en-US" b="0" i="1" smtClean="0">
+                          <a:latin typeface="Cambria Math" panose="02040503050406030204" pitchFamily="18" charset="0"/>
+                        </a:rPr>
+                        <m:t> →</m:t>
+                      </m:r>
+                      <m:r>
+                        <a:rPr lang="en-US" b="0" i="1" smtClean="0">
+                          <a:latin typeface="Cambria Math" panose="02040503050406030204" pitchFamily="18" charset="0"/>
+                          <a:ea typeface="Cambria Math" panose="02040503050406030204" pitchFamily="18" charset="0"/>
+                        </a:rPr>
+                        <m:t>𝑖𝑛𝑡</m:t>
+                      </m:r>
+                    </m:oMath>
+                  </m:oMathPara>
+                </a14:m>
+                <a:endParaRPr lang="en-US" dirty="0"/>
+              </a:p>
+            </p:txBody>
+          </p:sp>
+        </mc:Choice>
+        <mc:Fallback>
+          <p:sp>
+            <p:nvSpPr>
+              <p:cNvPr id="17" name="TextBox 16">
+                <a:extLst>
+                  <a:ext uri="{FF2B5EF4-FFF2-40B4-BE49-F238E27FC236}">
+                    <a16:creationId xmlns:a16="http://schemas.microsoft.com/office/drawing/2014/main" id="{5CDBE824-389B-5649-861F-3444E5E36B88}"/>
+                  </a:ext>
+                </a:extLst>
+              </p:cNvPr>
+              <p:cNvSpPr txBox="1">
+                <a:spLocks noRot="1" noChangeAspect="1" noMove="1" noResize="1" noEditPoints="1" noAdjustHandles="1" noChangeArrowheads="1" noChangeShapeType="1" noTextEdit="1"/>
+              </p:cNvSpPr>
+              <p:nvPr/>
+            </p:nvSpPr>
+            <p:spPr>
+              <a:xfrm>
+                <a:off x="2057400" y="3256038"/>
+                <a:ext cx="1156920" cy="307777"/>
+              </a:xfrm>
+              <a:prstGeom prst="rect">
+                <a:avLst/>
+              </a:prstGeom>
+              <a:blipFill>
+                <a:blip r:embed="rId2"/>
+                <a:stretch>
+                  <a:fillRect l="-4396" t="-8000" r="-4396" b="-36000"/>
+                </a:stretch>
+              </a:blipFill>
+            </p:spPr>
+            <p:txBody>
+              <a:bodyPr/>
+              <a:lstStyle/>
+              <a:p>
+                <a:r>
+                  <a:rPr lang="en-US">
+                    <a:noFill/>
+                  </a:rPr>
+                  <a:t> </a:t>
+                </a:r>
+              </a:p>
+            </p:txBody>
+          </p:sp>
+        </mc:Fallback>
+      </mc:AlternateContent>
+      <mc:AlternateContent xmlns:mc="http://schemas.openxmlformats.org/markup-compatibility/2006">
+        <mc:Choice xmlns:a14="http://schemas.microsoft.com/office/drawing/2010/main" Requires="a14">
+          <p:sp>
+            <p:nvSpPr>
+              <p:cNvPr id="18" name="TextBox 17">
+                <a:extLst>
+                  <a:ext uri="{FF2B5EF4-FFF2-40B4-BE49-F238E27FC236}">
+                    <a16:creationId xmlns:a16="http://schemas.microsoft.com/office/drawing/2014/main" id="{6882DEBA-584A-B949-A97F-B443326DD55B}"/>
+                  </a:ext>
+                </a:extLst>
+              </p:cNvPr>
+              <p:cNvSpPr txBox="1"/>
+              <p:nvPr/>
+            </p:nvSpPr>
+            <p:spPr>
+              <a:xfrm>
+                <a:off x="5736742" y="3256038"/>
+                <a:ext cx="1730858" cy="307777"/>
+              </a:xfrm>
+              <a:prstGeom prst="rect">
+                <a:avLst/>
+              </a:prstGeom>
+              <a:noFill/>
+            </p:spPr>
+            <p:txBody>
+              <a:bodyPr wrap="none" lIns="0" tIns="0" rIns="0" bIns="0" rtlCol="0">
+                <a:spAutoFit/>
+              </a:bodyPr>
+              <a:lstStyle/>
+              <a:p>
+                <a14:m>
+                  <m:oMathPara xmlns:m="http://schemas.openxmlformats.org/officeDocument/2006/math">
+                    <m:oMathParaPr>
+                      <m:jc m:val="centerGroup"/>
+                    </m:oMathParaPr>
+                    <m:oMath xmlns:m="http://schemas.openxmlformats.org/officeDocument/2006/math">
+                      <m:r>
+                        <a:rPr lang="en-US" b="0" i="1" smtClean="0">
+                          <a:latin typeface="Cambria Math" panose="02040503050406030204" pitchFamily="18" charset="0"/>
+                        </a:rPr>
+                        <m:t>𝑖𝑛𝑡</m:t>
+                      </m:r>
+                      <m:r>
+                        <a:rPr lang="en-US" b="0" i="1" smtClean="0">
+                          <a:latin typeface="Cambria Math" panose="02040503050406030204" pitchFamily="18" charset="0"/>
+                        </a:rPr>
+                        <m:t>∗</m:t>
+                      </m:r>
+                      <m:r>
+                        <a:rPr lang="en-US" b="0" i="1" smtClean="0">
+                          <a:latin typeface="Cambria Math" panose="02040503050406030204" pitchFamily="18" charset="0"/>
+                        </a:rPr>
+                        <m:t>𝑖𝑛𝑡</m:t>
+                      </m:r>
+                      <m:r>
+                        <a:rPr lang="en-US" b="0" i="1" smtClean="0">
+                          <a:latin typeface="Cambria Math" panose="02040503050406030204" pitchFamily="18" charset="0"/>
+                        </a:rPr>
+                        <m:t> →</m:t>
+                      </m:r>
+                      <m:r>
+                        <a:rPr lang="en-US" b="0" i="1" smtClean="0">
+                          <a:latin typeface="Cambria Math" panose="02040503050406030204" pitchFamily="18" charset="0"/>
+                          <a:ea typeface="Cambria Math" panose="02040503050406030204" pitchFamily="18" charset="0"/>
+                        </a:rPr>
+                        <m:t>𝑖𝑛𝑡</m:t>
+                      </m:r>
+                    </m:oMath>
+                  </m:oMathPara>
+                </a14:m>
+                <a:endParaRPr lang="en-US" dirty="0"/>
+              </a:p>
+            </p:txBody>
+          </p:sp>
+        </mc:Choice>
+        <mc:Fallback>
+          <p:sp>
+            <p:nvSpPr>
+              <p:cNvPr id="18" name="TextBox 17">
+                <a:extLst>
+                  <a:ext uri="{FF2B5EF4-FFF2-40B4-BE49-F238E27FC236}">
+                    <a16:creationId xmlns:a16="http://schemas.microsoft.com/office/drawing/2014/main" id="{6882DEBA-584A-B949-A97F-B443326DD55B}"/>
+                  </a:ext>
+                </a:extLst>
+              </p:cNvPr>
+              <p:cNvSpPr txBox="1">
+                <a:spLocks noRot="1" noChangeAspect="1" noMove="1" noResize="1" noEditPoints="1" noAdjustHandles="1" noChangeArrowheads="1" noChangeShapeType="1" noTextEdit="1"/>
+              </p:cNvSpPr>
+              <p:nvPr/>
+            </p:nvSpPr>
+            <p:spPr>
+              <a:xfrm>
+                <a:off x="5736742" y="3256038"/>
+                <a:ext cx="1730858" cy="307777"/>
+              </a:xfrm>
+              <a:prstGeom prst="rect">
+                <a:avLst/>
+              </a:prstGeom>
+              <a:blipFill>
+                <a:blip r:embed="rId3"/>
+                <a:stretch>
+                  <a:fillRect l="-2190" t="-8000" r="-2190" b="-36000"/>
+                </a:stretch>
+              </a:blipFill>
+            </p:spPr>
+            <p:txBody>
+              <a:bodyPr/>
+              <a:lstStyle/>
+              <a:p>
+                <a:r>
+                  <a:rPr lang="en-US">
+                    <a:noFill/>
+                  </a:rPr>
+                  <a:t> </a:t>
+                </a:r>
+              </a:p>
+            </p:txBody>
+          </p:sp>
+        </mc:Fallback>
+      </mc:AlternateContent>
+      <p:pic>
+        <p:nvPicPr>
+          <p:cNvPr id="19" name="Picture 18">
+            <a:extLst>
+              <a:ext uri="{FF2B5EF4-FFF2-40B4-BE49-F238E27FC236}">
+                <a16:creationId xmlns:a16="http://schemas.microsoft.com/office/drawing/2014/main" id="{5DCD9D80-076B-164C-95BB-52F4100AE169}"/>
+              </a:ext>
+            </a:extLst>
+          </p:cNvPr>
+          <p:cNvPicPr>
+            <a:picLocks noChangeAspect="1"/>
+          </p:cNvPicPr>
+          <p:nvPr/>
+        </p:nvPicPr>
+        <p:blipFill rotWithShape="1">
+          <a:blip r:embed="rId4"/>
+          <a:srcRect t="36967"/>
+          <a:stretch/>
+        </p:blipFill>
+        <p:spPr>
+          <a:xfrm>
+            <a:off x="5616087" y="4203069"/>
+            <a:ext cx="1868853" cy="398504"/>
+          </a:xfrm>
+          <a:prstGeom prst="rect">
+            <a:avLst/>
+          </a:prstGeom>
+        </p:spPr>
+      </p:pic>
+      <p:pic>
+        <p:nvPicPr>
+          <p:cNvPr id="20" name="Picture 19">
+            <a:extLst>
+              <a:ext uri="{FF2B5EF4-FFF2-40B4-BE49-F238E27FC236}">
+                <a16:creationId xmlns:a16="http://schemas.microsoft.com/office/drawing/2014/main" id="{B129BBAB-A6BB-B947-9F25-89EE88DA3B33}"/>
+              </a:ext>
+            </a:extLst>
+          </p:cNvPr>
+          <p:cNvPicPr>
+            <a:picLocks noChangeAspect="1"/>
+          </p:cNvPicPr>
+          <p:nvPr/>
+        </p:nvPicPr>
+        <p:blipFill rotWithShape="1">
+          <a:blip r:embed="rId4"/>
+          <a:srcRect b="57417"/>
+          <a:stretch/>
+        </p:blipFill>
+        <p:spPr>
+          <a:xfrm>
+            <a:off x="1447800" y="4718560"/>
+            <a:ext cx="2057400" cy="296373"/>
+          </a:xfrm>
+          <a:prstGeom prst="rect">
+            <a:avLst/>
+          </a:prstGeom>
+        </p:spPr>
+      </p:pic>
+      <p:pic>
+        <p:nvPicPr>
+          <p:cNvPr id="22" name="Picture 21">
+            <a:extLst>
+              <a:ext uri="{FF2B5EF4-FFF2-40B4-BE49-F238E27FC236}">
+                <a16:creationId xmlns:a16="http://schemas.microsoft.com/office/drawing/2014/main" id="{852841BE-C706-1A49-85FF-2C72E2FC6C6B}"/>
+              </a:ext>
+            </a:extLst>
+          </p:cNvPr>
+          <p:cNvPicPr>
+            <a:picLocks noChangeAspect="1"/>
+          </p:cNvPicPr>
+          <p:nvPr/>
+        </p:nvPicPr>
+        <p:blipFill>
+          <a:blip r:embed="rId5"/>
+          <a:stretch>
+            <a:fillRect/>
+          </a:stretch>
+        </p:blipFill>
+        <p:spPr>
+          <a:xfrm>
+            <a:off x="1647337" y="4059230"/>
+            <a:ext cx="1810726" cy="542343"/>
+          </a:xfrm>
+          <a:prstGeom prst="rect">
+            <a:avLst/>
+          </a:prstGeom>
+        </p:spPr>
+      </p:pic>
+      <p:sp>
+        <p:nvSpPr>
+          <p:cNvPr id="23" name="TextBox 22">
+            <a:extLst>
+              <a:ext uri="{FF2B5EF4-FFF2-40B4-BE49-F238E27FC236}">
+                <a16:creationId xmlns:a16="http://schemas.microsoft.com/office/drawing/2014/main" id="{88C29C95-3110-1041-969C-2DE6F4AF0527}"/>
+              </a:ext>
+            </a:extLst>
+          </p:cNvPr>
+          <p:cNvSpPr txBox="1"/>
+          <p:nvPr/>
+        </p:nvSpPr>
+        <p:spPr>
+          <a:xfrm>
+            <a:off x="4136624" y="2977416"/>
+            <a:ext cx="870751" cy="523220"/>
+          </a:xfrm>
+          <a:prstGeom prst="rect">
+            <a:avLst/>
+          </a:prstGeom>
+          <a:noFill/>
+        </p:spPr>
+        <p:txBody>
+          <a:bodyPr wrap="none" rtlCol="0">
+            <a:spAutoFit/>
+          </a:bodyPr>
+          <a:lstStyle/>
+          <a:p>
+            <a:r>
+              <a:rPr lang="en-US" sz="1400" dirty="0"/>
+              <a:t>Function</a:t>
+            </a:r>
+          </a:p>
+          <a:p>
+            <a:r>
+              <a:rPr lang="en-US" sz="1400" dirty="0"/>
+              <a:t>Types</a:t>
+            </a:r>
+          </a:p>
+        </p:txBody>
+      </p:sp>
+      <p:cxnSp>
+        <p:nvCxnSpPr>
+          <p:cNvPr id="25" name="Straight Arrow Connector 24">
+            <a:extLst>
+              <a:ext uri="{FF2B5EF4-FFF2-40B4-BE49-F238E27FC236}">
+                <a16:creationId xmlns:a16="http://schemas.microsoft.com/office/drawing/2014/main" id="{F22EEABB-9F0D-E64F-8DC8-E85A03BFCFD6}"/>
+              </a:ext>
+            </a:extLst>
+          </p:cNvPr>
+          <p:cNvCxnSpPr>
+            <a:stCxn id="23" idx="1"/>
+            <a:endCxn id="17" idx="3"/>
+          </p:cNvCxnSpPr>
+          <p:nvPr/>
+        </p:nvCxnSpPr>
+        <p:spPr bwMode="auto">
+          <a:xfrm flipH="1">
+            <a:off x="3214320" y="3239026"/>
+            <a:ext cx="922304" cy="170901"/>
+          </a:xfrm>
+          <a:prstGeom prst="straightConnector1">
+            <a:avLst/>
+          </a:prstGeom>
+          <a:solidFill>
+            <a:schemeClr val="accent1"/>
+          </a:solidFill>
+          <a:ln w="9525" cap="flat" cmpd="sng" algn="ctr">
+            <a:solidFill>
+              <a:srgbClr val="FF0000"/>
+            </a:solidFill>
+            <a:prstDash val="solid"/>
+            <a:round/>
+            <a:headEnd type="none" w="med" len="med"/>
+            <a:tailEnd type="triangle"/>
+          </a:ln>
+          <a:effectLst/>
+          <a:extLst>
+            <a:ext uri="{AF507438-7753-43e0-B8FC-AC1667EBCBE1}">
+              <a14:hiddenEffects xmlns:a14="http://schemas.microsoft.com/office/drawing/2010/main" xmlns="">
+                <a:effectLst>
+                  <a:outerShdw blurRad="63500" dist="38099" dir="2700000" algn="ctr" rotWithShape="0">
+                    <a:schemeClr val="bg2">
+                      <a:alpha val="74998"/>
+                    </a:schemeClr>
+                  </a:outerShdw>
+                </a:effectLst>
+              </a14:hiddenEffects>
+            </a:ext>
+          </a:extLst>
+        </p:spPr>
+      </p:cxnSp>
+      <p:cxnSp>
+        <p:nvCxnSpPr>
+          <p:cNvPr id="27" name="Straight Arrow Connector 26">
+            <a:extLst>
+              <a:ext uri="{FF2B5EF4-FFF2-40B4-BE49-F238E27FC236}">
+                <a16:creationId xmlns:a16="http://schemas.microsoft.com/office/drawing/2014/main" id="{65F75B78-4365-744C-BD47-FBCB6AF611C2}"/>
+              </a:ext>
+            </a:extLst>
+          </p:cNvPr>
+          <p:cNvCxnSpPr>
+            <a:stCxn id="23" idx="3"/>
+            <a:endCxn id="18" idx="1"/>
+          </p:cNvCxnSpPr>
+          <p:nvPr/>
+        </p:nvCxnSpPr>
+        <p:spPr bwMode="auto">
+          <a:xfrm>
+            <a:off x="5007375" y="3239026"/>
+            <a:ext cx="729367" cy="170901"/>
+          </a:xfrm>
+          <a:prstGeom prst="straightConnector1">
+            <a:avLst/>
+          </a:prstGeom>
+          <a:solidFill>
+            <a:schemeClr val="accent1"/>
+          </a:solidFill>
+          <a:ln w="9525" cap="flat" cmpd="sng" algn="ctr">
+            <a:solidFill>
+              <a:srgbClr val="FF0000"/>
+            </a:solidFill>
+            <a:prstDash val="solid"/>
+            <a:round/>
+            <a:headEnd type="none" w="med" len="med"/>
+            <a:tailEnd type="triangle"/>
+          </a:ln>
+          <a:effectLst/>
+          <a:extLst>
+            <a:ext uri="{AF507438-7753-43e0-B8FC-AC1667EBCBE1}">
+              <a14:hiddenEffects xmlns:a14="http://schemas.microsoft.com/office/drawing/2010/main" xmlns="">
+                <a:effectLst>
+                  <a:outerShdw blurRad="63500" dist="38099" dir="2700000" algn="ctr" rotWithShape="0">
+                    <a:schemeClr val="bg2">
+                      <a:alpha val="74998"/>
+                    </a:schemeClr>
+                  </a:outerShdw>
+                </a:effectLst>
+              </a14:hiddenEffects>
+            </a:ext>
+          </a:extLst>
+        </p:spPr>
+      </p:cxnSp>
+      <p:sp>
+        <p:nvSpPr>
+          <p:cNvPr id="30" name="TextBox 29">
+            <a:extLst>
+              <a:ext uri="{FF2B5EF4-FFF2-40B4-BE49-F238E27FC236}">
+                <a16:creationId xmlns:a16="http://schemas.microsoft.com/office/drawing/2014/main" id="{A08F850C-74A5-4240-A78E-AD6998CD473F}"/>
+              </a:ext>
+            </a:extLst>
+          </p:cNvPr>
+          <p:cNvSpPr txBox="1"/>
+          <p:nvPr/>
+        </p:nvSpPr>
+        <p:spPr>
+          <a:xfrm>
+            <a:off x="1625415" y="5420380"/>
+            <a:ext cx="1955985" cy="523220"/>
+          </a:xfrm>
+          <a:prstGeom prst="rect">
+            <a:avLst/>
+          </a:prstGeom>
+          <a:noFill/>
+        </p:spPr>
+        <p:txBody>
+          <a:bodyPr wrap="none" rtlCol="0">
+            <a:spAutoFit/>
+          </a:bodyPr>
+          <a:lstStyle/>
+          <a:p>
+            <a:r>
+              <a:rPr lang="en-US" sz="1400" i="1" dirty="0"/>
+              <a:t>“</a:t>
+            </a:r>
+            <a:r>
+              <a:rPr lang="en-US" sz="1400" i="1" dirty="0">
+                <a:solidFill>
+                  <a:srgbClr val="FF0000"/>
+                </a:solidFill>
+              </a:rPr>
+              <a:t>All</a:t>
+            </a:r>
+            <a:r>
+              <a:rPr lang="en-US" sz="1400" i="1" dirty="0"/>
+              <a:t> functions that map</a:t>
+            </a:r>
+            <a:br>
+              <a:rPr lang="en-US" sz="1400" i="1" dirty="0"/>
+            </a:br>
+            <a:r>
+              <a:rPr lang="en-US" sz="1400" i="1" dirty="0"/>
+              <a:t>integers to integers”</a:t>
+            </a:r>
+          </a:p>
+        </p:txBody>
+      </p:sp>
+      <p:sp>
+        <p:nvSpPr>
+          <p:cNvPr id="31" name="TextBox 30">
+            <a:extLst>
+              <a:ext uri="{FF2B5EF4-FFF2-40B4-BE49-F238E27FC236}">
+                <a16:creationId xmlns:a16="http://schemas.microsoft.com/office/drawing/2014/main" id="{9C32C57A-868F-4248-993D-95855F870118}"/>
+              </a:ext>
+            </a:extLst>
+          </p:cNvPr>
+          <p:cNvSpPr txBox="1"/>
+          <p:nvPr/>
+        </p:nvSpPr>
+        <p:spPr>
+          <a:xfrm>
+            <a:off x="5410200" y="5267980"/>
+            <a:ext cx="2393604" cy="523220"/>
+          </a:xfrm>
+          <a:prstGeom prst="rect">
+            <a:avLst/>
+          </a:prstGeom>
+          <a:noFill/>
+        </p:spPr>
+        <p:txBody>
+          <a:bodyPr wrap="none" rtlCol="0">
+            <a:spAutoFit/>
+          </a:bodyPr>
+          <a:lstStyle/>
+          <a:p>
+            <a:r>
+              <a:rPr lang="en-US" sz="1400" i="1" dirty="0"/>
+              <a:t>“</a:t>
+            </a:r>
+            <a:r>
+              <a:rPr lang="en-US" sz="1400" i="1" dirty="0">
+                <a:solidFill>
+                  <a:srgbClr val="FF0000"/>
+                </a:solidFill>
+              </a:rPr>
+              <a:t>All</a:t>
+            </a:r>
+            <a:r>
+              <a:rPr lang="en-US" sz="1400" i="1" dirty="0"/>
+              <a:t> functions that map pairs</a:t>
+            </a:r>
+            <a:br>
+              <a:rPr lang="en-US" sz="1400" i="1" dirty="0"/>
+            </a:br>
+            <a:r>
+              <a:rPr lang="en-US" sz="1400" i="1" dirty="0"/>
+              <a:t>of integers to integers”</a:t>
+            </a:r>
+          </a:p>
+        </p:txBody>
+      </p:sp>
+    </p:spTree>
+    <p:extLst>
+      <p:ext uri="{BB962C8B-B14F-4D97-AF65-F5344CB8AC3E}">
+        <p14:creationId xmlns:p14="http://schemas.microsoft.com/office/powerpoint/2010/main" val="2585860569"/>
+      </p:ext>
+    </p:extLst>
+  </p:cSld>
+  <p:clrMapOvr>
+    <a:masterClrMapping/>
+  </p:clrMapOvr>
+</p:sld>
+</file>
+
+<file path=ppt/slides/slide13.xml><?xml version="1.0" encoding="utf-8"?>
+<p:sld xmlns:a="http://schemas.openxmlformats.org/drawingml/2006/main" xmlns:r="http://schemas.openxmlformats.org/officeDocument/2006/relationships" xmlns:p="http://schemas.openxmlformats.org/presentationml/2006/main">
+  <p:cSld>
+    <p:spTree>
+      <p:nvGrpSpPr>
+        <p:cNvPr id="1" name=""/>
+        <p:cNvGrpSpPr/>
+        <p:nvPr/>
+      </p:nvGrpSpPr>
+      <p:grpSpPr>
+        <a:xfrm>
+          <a:off x="0" y="0"/>
+          <a:ext cx="0" cy="0"/>
+          <a:chOff x="0" y="0"/>
+          <a:chExt cx="0" cy="0"/>
+        </a:xfrm>
+      </p:grpSpPr>
+      <p:sp>
+        <p:nvSpPr>
+          <p:cNvPr id="3" name="Title 2">
+            <a:extLst>
+              <a:ext uri="{FF2B5EF4-FFF2-40B4-BE49-F238E27FC236}">
+                <a16:creationId xmlns:a16="http://schemas.microsoft.com/office/drawing/2014/main" id="{6E4DD524-948B-224E-8FA6-ACAB152E81FF}"/>
+              </a:ext>
+            </a:extLst>
+          </p:cNvPr>
+          <p:cNvSpPr>
+            <a:spLocks noGrp="1"/>
+          </p:cNvSpPr>
+          <p:nvPr>
+            <p:ph type="title"/>
+          </p:nvPr>
+        </p:nvSpPr>
+        <p:spPr/>
+        <p:txBody>
+          <a:bodyPr/>
+          <a:lstStyle/>
+          <a:p>
+            <a:r>
+              <a:rPr lang="en-US" dirty="0"/>
+              <a:t>Function as Values: Another Look</a:t>
+            </a:r>
+          </a:p>
+        </p:txBody>
+      </p:sp>
+      <p:sp>
+        <p:nvSpPr>
+          <p:cNvPr id="4" name="Content Placeholder 3">
+            <a:extLst>
+              <a:ext uri="{FF2B5EF4-FFF2-40B4-BE49-F238E27FC236}">
+                <a16:creationId xmlns:a16="http://schemas.microsoft.com/office/drawing/2014/main" id="{29A10DF4-F7B7-6F40-98A1-3A875D17B5AF}"/>
+              </a:ext>
+            </a:extLst>
+          </p:cNvPr>
+          <p:cNvSpPr>
+            <a:spLocks noGrp="1"/>
+          </p:cNvSpPr>
+          <p:nvPr>
+            <p:ph idx="1"/>
+          </p:nvPr>
+        </p:nvSpPr>
+        <p:spPr>
+          <a:xfrm>
+            <a:off x="1524000" y="1752599"/>
+            <a:ext cx="7010400" cy="990601"/>
+          </a:xfrm>
+        </p:spPr>
+        <p:txBody>
+          <a:bodyPr/>
+          <a:lstStyle/>
+          <a:p>
+            <a:r>
+              <a:rPr lang="en-US" dirty="0"/>
+              <a:t>Since we now have function types we can declare variables of that type,</a:t>
+            </a:r>
+          </a:p>
+        </p:txBody>
+      </p:sp>
+      <p:pic>
+        <p:nvPicPr>
+          <p:cNvPr id="5" name="Picture 4">
+            <a:extLst>
+              <a:ext uri="{FF2B5EF4-FFF2-40B4-BE49-F238E27FC236}">
+                <a16:creationId xmlns:a16="http://schemas.microsoft.com/office/drawing/2014/main" id="{C8C2B402-CD6A-CD4C-815F-CBB4C0965DB1}"/>
+              </a:ext>
+            </a:extLst>
+          </p:cNvPr>
+          <p:cNvPicPr>
+            <a:picLocks noChangeAspect="1"/>
+          </p:cNvPicPr>
+          <p:nvPr/>
+        </p:nvPicPr>
+        <p:blipFill>
+          <a:blip r:embed="rId2"/>
+          <a:stretch>
+            <a:fillRect/>
+          </a:stretch>
+        </p:blipFill>
+        <p:spPr>
+          <a:xfrm>
+            <a:off x="609600" y="3124200"/>
+            <a:ext cx="3441700" cy="787400"/>
+          </a:xfrm>
+          <a:prstGeom prst="rect">
+            <a:avLst/>
+          </a:prstGeom>
+        </p:spPr>
+      </p:pic>
+      <p:sp>
+        <p:nvSpPr>
+          <p:cNvPr id="6" name="TextBox 5">
+            <a:extLst>
+              <a:ext uri="{FF2B5EF4-FFF2-40B4-BE49-F238E27FC236}">
+                <a16:creationId xmlns:a16="http://schemas.microsoft.com/office/drawing/2014/main" id="{D7C4650A-2F9C-6946-9843-E638249C1B98}"/>
+              </a:ext>
+            </a:extLst>
+          </p:cNvPr>
+          <p:cNvSpPr txBox="1"/>
+          <p:nvPr/>
+        </p:nvSpPr>
+        <p:spPr>
+          <a:xfrm>
+            <a:off x="762000" y="2872154"/>
+            <a:ext cx="433132" cy="307777"/>
+          </a:xfrm>
+          <a:prstGeom prst="rect">
+            <a:avLst/>
+          </a:prstGeom>
+          <a:noFill/>
+        </p:spPr>
+        <p:txBody>
+          <a:bodyPr wrap="none" rtlCol="0">
+            <a:spAutoFit/>
+          </a:bodyPr>
+          <a:lstStyle/>
+          <a:p>
+            <a:r>
+              <a:rPr lang="en-US" sz="1400" dirty="0"/>
+              <a:t>ML</a:t>
+            </a:r>
+          </a:p>
+        </p:txBody>
+      </p:sp>
+      <p:pic>
+        <p:nvPicPr>
+          <p:cNvPr id="7" name="Picture 6">
+            <a:extLst>
+              <a:ext uri="{FF2B5EF4-FFF2-40B4-BE49-F238E27FC236}">
+                <a16:creationId xmlns:a16="http://schemas.microsoft.com/office/drawing/2014/main" id="{40DAE5DD-E586-524F-A904-D88C17532487}"/>
+              </a:ext>
+            </a:extLst>
+          </p:cNvPr>
+          <p:cNvPicPr>
+            <a:picLocks noChangeAspect="1"/>
+          </p:cNvPicPr>
+          <p:nvPr/>
+        </p:nvPicPr>
+        <p:blipFill>
+          <a:blip r:embed="rId3"/>
+          <a:stretch>
+            <a:fillRect/>
+          </a:stretch>
+        </p:blipFill>
+        <p:spPr>
+          <a:xfrm>
+            <a:off x="3124200" y="4724400"/>
+            <a:ext cx="4279900" cy="965200"/>
+          </a:xfrm>
+          <a:prstGeom prst="rect">
+            <a:avLst/>
+          </a:prstGeom>
+        </p:spPr>
+      </p:pic>
+      <p:sp>
+        <p:nvSpPr>
+          <p:cNvPr id="8" name="TextBox 7">
+            <a:extLst>
+              <a:ext uri="{FF2B5EF4-FFF2-40B4-BE49-F238E27FC236}">
+                <a16:creationId xmlns:a16="http://schemas.microsoft.com/office/drawing/2014/main" id="{90A5A9CB-448A-014D-B312-CA6647F55550}"/>
+              </a:ext>
+            </a:extLst>
+          </p:cNvPr>
+          <p:cNvSpPr txBox="1"/>
+          <p:nvPr/>
+        </p:nvSpPr>
+        <p:spPr>
+          <a:xfrm>
+            <a:off x="3352800" y="4419600"/>
+            <a:ext cx="553357" cy="307777"/>
+          </a:xfrm>
+          <a:prstGeom prst="rect">
+            <a:avLst/>
+          </a:prstGeom>
+          <a:noFill/>
+        </p:spPr>
+        <p:txBody>
+          <a:bodyPr wrap="none" rtlCol="0">
+            <a:spAutoFit/>
+          </a:bodyPr>
+          <a:lstStyle/>
+          <a:p>
+            <a:r>
+              <a:rPr lang="en-US" sz="1400" dirty="0"/>
+              <a:t>Rust</a:t>
+            </a:r>
+          </a:p>
+        </p:txBody>
+      </p:sp>
+    </p:spTree>
+    <p:extLst>
+      <p:ext uri="{BB962C8B-B14F-4D97-AF65-F5344CB8AC3E}">
+        <p14:creationId xmlns:p14="http://schemas.microsoft.com/office/powerpoint/2010/main" val="1279838433"/>
+      </p:ext>
+    </p:extLst>
+  </p:cSld>
+  <p:clrMapOvr>
+    <a:masterClrMapping/>
+  </p:clrMapOvr>
+</p:sld>
+</file>
+
+<file path=ppt/slides/slide14.xml><?xml version="1.0" encoding="utf-8"?>
+<p:sld xmlns:a="http://schemas.openxmlformats.org/drawingml/2006/main" xmlns:r="http://schemas.openxmlformats.org/officeDocument/2006/relationships" xmlns:p="http://schemas.openxmlformats.org/presentationml/2006/main">
+  <p:cSld>
+    <p:spTree>
+      <p:nvGrpSpPr>
+        <p:cNvPr id="1" name=""/>
+        <p:cNvGrpSpPr/>
+        <p:nvPr/>
+      </p:nvGrpSpPr>
+      <p:grpSpPr>
+        <a:xfrm>
+          <a:off x="0" y="0"/>
+          <a:ext cx="0" cy="0"/>
+          <a:chOff x="0" y="0"/>
+          <a:chExt cx="0" cy="0"/>
+        </a:xfrm>
+      </p:grpSpPr>
+      <p:sp>
+        <p:nvSpPr>
+          <p:cNvPr id="3" name="Title 2">
+            <a:extLst>
+              <a:ext uri="{FF2B5EF4-FFF2-40B4-BE49-F238E27FC236}">
+                <a16:creationId xmlns:a16="http://schemas.microsoft.com/office/drawing/2014/main" id="{6E4DD524-948B-224E-8FA6-ACAB152E81FF}"/>
+              </a:ext>
+            </a:extLst>
+          </p:cNvPr>
+          <p:cNvSpPr>
+            <a:spLocks noGrp="1"/>
+          </p:cNvSpPr>
+          <p:nvPr>
+            <p:ph type="title"/>
+          </p:nvPr>
+        </p:nvSpPr>
+        <p:spPr/>
+        <p:txBody>
+          <a:bodyPr/>
+          <a:lstStyle/>
+          <a:p>
+            <a:r>
+              <a:rPr lang="en-US" dirty="0"/>
+              <a:t>Function as Values: Another Look</a:t>
+            </a:r>
+          </a:p>
+        </p:txBody>
+      </p:sp>
+      <p:sp>
+        <p:nvSpPr>
+          <p:cNvPr id="4" name="Content Placeholder 3">
+            <a:extLst>
+              <a:ext uri="{FF2B5EF4-FFF2-40B4-BE49-F238E27FC236}">
+                <a16:creationId xmlns:a16="http://schemas.microsoft.com/office/drawing/2014/main" id="{29A10DF4-F7B7-6F40-98A1-3A875D17B5AF}"/>
+              </a:ext>
+            </a:extLst>
+          </p:cNvPr>
+          <p:cNvSpPr>
+            <a:spLocks noGrp="1"/>
+          </p:cNvSpPr>
+          <p:nvPr>
+            <p:ph idx="1"/>
+          </p:nvPr>
+        </p:nvSpPr>
+        <p:spPr>
+          <a:xfrm>
+            <a:off x="1524000" y="1752599"/>
+            <a:ext cx="7010400" cy="4191001"/>
+          </a:xfrm>
+        </p:spPr>
+        <p:txBody>
+          <a:bodyPr>
+            <a:normAutofit fontScale="92500" lnSpcReduction="20000"/>
+          </a:bodyPr>
+          <a:lstStyle/>
+          <a:p>
+            <a:r>
+              <a:rPr lang="en-US" dirty="0"/>
+              <a:t>Every function belongs to a particular function type.</a:t>
+            </a:r>
+          </a:p>
+          <a:p>
+            <a:r>
+              <a:rPr lang="en-US" dirty="0"/>
+              <a:t>We can view a function as a value in the set of all values of a particular type.</a:t>
+            </a:r>
+          </a:p>
+          <a:p>
+            <a:r>
+              <a:rPr lang="en-US" dirty="0"/>
+              <a:t>This particularly visible in statically typed languages like ML and Rust.</a:t>
+            </a:r>
+          </a:p>
+          <a:p>
+            <a:pPr lvl="1"/>
+            <a:r>
+              <a:rPr lang="en-US" dirty="0"/>
+              <a:t>But it is also supported in dynamically typed languages like Python and Asteroid.</a:t>
+            </a:r>
+          </a:p>
+          <a:p>
+            <a:pPr lvl="1"/>
+            <a:r>
+              <a:rPr lang="en-US" dirty="0"/>
+              <a:t>In Asteroid, all functions are members of the type </a:t>
+            </a:r>
+            <a:r>
+              <a:rPr lang="en-US"/>
+              <a:t>‘function’.</a:t>
+            </a:r>
+            <a:endParaRPr lang="en-US" dirty="0"/>
+          </a:p>
+        </p:txBody>
+      </p:sp>
+    </p:spTree>
+    <p:extLst>
+      <p:ext uri="{BB962C8B-B14F-4D97-AF65-F5344CB8AC3E}">
+        <p14:creationId xmlns:p14="http://schemas.microsoft.com/office/powerpoint/2010/main" val="838678763"/>
+      </p:ext>
+    </p:extLst>
+  </p:cSld>
+  <p:clrMapOvr>
+    <a:masterClrMapping/>
+  </p:clrMapOvr>
+</p:sld>
+</file>
+
+<file path=ppt/slides/slide15.xml><?xml version="1.0" encoding="utf-8"?>
 <p:sld xmlns:a="http://schemas.openxmlformats.org/drawingml/2006/main" xmlns:r="http://schemas.openxmlformats.org/officeDocument/2006/relationships" xmlns:p="http://schemas.openxmlformats.org/presentationml/2006/main">
   <p:cSld>
     <p:spTree>

--- a/notes/csc493-ln010.pptx
+++ b/notes/csc493-ln010.pptx
@@ -8101,71 +8101,92 @@
           </a:p>
         </p:txBody>
       </p:sp>
-      <p:pic>
-        <p:nvPicPr>
-          <p:cNvPr id="7" name="Picture 6">
+      <p:grpSp>
+        <p:nvGrpSpPr>
+          <p:cNvPr id="9" name="Group 8">
             <a:extLst>
               <a:ext uri="{FF2B5EF4-FFF2-40B4-BE49-F238E27FC236}">
-                <a16:creationId xmlns:a16="http://schemas.microsoft.com/office/drawing/2014/main" id="{40DAE5DD-E586-524F-A904-D88C17532487}"/>
+                <a16:creationId xmlns:a16="http://schemas.microsoft.com/office/drawing/2014/main" id="{83C785A5-2C49-9443-A339-13152EA4AD3A}"/>
               </a:ext>
             </a:extLst>
           </p:cNvPr>
-          <p:cNvPicPr>
-            <a:picLocks noChangeAspect="1"/>
-          </p:cNvPicPr>
+          <p:cNvGrpSpPr/>
           <p:nvPr/>
-        </p:nvPicPr>
-        <p:blipFill>
-          <a:blip r:embed="rId3"/>
-          <a:stretch>
-            <a:fillRect/>
-          </a:stretch>
-        </p:blipFill>
-        <p:spPr>
+        </p:nvGrpSpPr>
+        <p:grpSpPr>
           <a:xfrm>
-            <a:off x="3124200" y="4724400"/>
-            <a:ext cx="4279900" cy="965200"/>
+            <a:off x="3124200" y="4419600"/>
+            <a:ext cx="4279900" cy="1270000"/>
+            <a:chOff x="3124200" y="4419600"/>
+            <a:chExt cx="4279900" cy="1270000"/>
           </a:xfrm>
-          <a:prstGeom prst="rect">
-            <a:avLst/>
-          </a:prstGeom>
-        </p:spPr>
-      </p:pic>
-      <p:sp>
-        <p:nvSpPr>
-          <p:cNvPr id="8" name="TextBox 7">
-            <a:extLst>
-              <a:ext uri="{FF2B5EF4-FFF2-40B4-BE49-F238E27FC236}">
-                <a16:creationId xmlns:a16="http://schemas.microsoft.com/office/drawing/2014/main" id="{90A5A9CB-448A-014D-B312-CA6647F55550}"/>
-              </a:ext>
-            </a:extLst>
-          </p:cNvPr>
-          <p:cNvSpPr txBox="1"/>
-          <p:nvPr/>
-        </p:nvSpPr>
-        <p:spPr>
-          <a:xfrm>
-            <a:off x="3352800" y="4419600"/>
-            <a:ext cx="553357" cy="307777"/>
-          </a:xfrm>
-          <a:prstGeom prst="rect">
-            <a:avLst/>
-          </a:prstGeom>
-          <a:noFill/>
-        </p:spPr>
-        <p:txBody>
-          <a:bodyPr wrap="none" rtlCol="0">
-            <a:spAutoFit/>
-          </a:bodyPr>
-          <a:lstStyle/>
-          <a:p>
-            <a:r>
-              <a:rPr lang="en-US" sz="1400" dirty="0"/>
-              <a:t>Rust</a:t>
-            </a:r>
-          </a:p>
-        </p:txBody>
-      </p:sp>
+        </p:grpSpPr>
+        <p:pic>
+          <p:nvPicPr>
+            <p:cNvPr id="7" name="Picture 6">
+              <a:extLst>
+                <a:ext uri="{FF2B5EF4-FFF2-40B4-BE49-F238E27FC236}">
+                  <a16:creationId xmlns:a16="http://schemas.microsoft.com/office/drawing/2014/main" id="{40DAE5DD-E586-524F-A904-D88C17532487}"/>
+                </a:ext>
+              </a:extLst>
+            </p:cNvPr>
+            <p:cNvPicPr>
+              <a:picLocks noChangeAspect="1"/>
+            </p:cNvPicPr>
+            <p:nvPr/>
+          </p:nvPicPr>
+          <p:blipFill>
+            <a:blip r:embed="rId3"/>
+            <a:stretch>
+              <a:fillRect/>
+            </a:stretch>
+          </p:blipFill>
+          <p:spPr>
+            <a:xfrm>
+              <a:off x="3124200" y="4724400"/>
+              <a:ext cx="4279900" cy="965200"/>
+            </a:xfrm>
+            <a:prstGeom prst="rect">
+              <a:avLst/>
+            </a:prstGeom>
+          </p:spPr>
+        </p:pic>
+        <p:sp>
+          <p:nvSpPr>
+            <p:cNvPr id="8" name="TextBox 7">
+              <a:extLst>
+                <a:ext uri="{FF2B5EF4-FFF2-40B4-BE49-F238E27FC236}">
+                  <a16:creationId xmlns:a16="http://schemas.microsoft.com/office/drawing/2014/main" id="{90A5A9CB-448A-014D-B312-CA6647F55550}"/>
+                </a:ext>
+              </a:extLst>
+            </p:cNvPr>
+            <p:cNvSpPr txBox="1"/>
+            <p:nvPr/>
+          </p:nvSpPr>
+          <p:spPr>
+            <a:xfrm>
+              <a:off x="3352800" y="4419600"/>
+              <a:ext cx="553357" cy="307777"/>
+            </a:xfrm>
+            <a:prstGeom prst="rect">
+              <a:avLst/>
+            </a:prstGeom>
+            <a:noFill/>
+          </p:spPr>
+          <p:txBody>
+            <a:bodyPr wrap="none" rtlCol="0">
+              <a:spAutoFit/>
+            </a:bodyPr>
+            <a:lstStyle/>
+            <a:p>
+              <a:r>
+                <a:rPr lang="en-US" sz="1400" dirty="0"/>
+                <a:t>Rust</a:t>
+              </a:r>
+            </a:p>
+          </p:txBody>
+        </p:sp>
+      </p:grpSp>
     </p:spTree>
     <p:extLst>
       <p:ext uri="{BB962C8B-B14F-4D97-AF65-F5344CB8AC3E}">
@@ -8243,12 +8264,12 @@
         <p:spPr>
           <a:xfrm>
             <a:off x="1524000" y="1752599"/>
-            <a:ext cx="7010400" cy="4191001"/>
+            <a:ext cx="7010400" cy="2895601"/>
           </a:xfrm>
         </p:spPr>
         <p:txBody>
           <a:bodyPr>
-            <a:normAutofit fontScale="92500" lnSpcReduction="20000"/>
+            <a:normAutofit fontScale="70000" lnSpcReduction="20000"/>
           </a:bodyPr>
           <a:lstStyle/>
           <a:p>
@@ -8280,16 +8301,46 @@
             <a:pPr lvl="1"/>
             <a:r>
               <a:rPr lang="en-US" dirty="0"/>
-              <a:t>In Asteroid, all functions are members of the type </a:t>
-            </a:r>
-            <a:r>
-              <a:rPr lang="en-US"/>
-              <a:t>‘function’.</a:t>
-            </a:r>
-            <a:endParaRPr lang="en-US" dirty="0"/>
+              <a:t>In Asteroid, all functions are members of the type ‘function’.</a:t>
+            </a:r>
           </a:p>
         </p:txBody>
       </p:sp>
+      <p:pic>
+        <p:nvPicPr>
+          <p:cNvPr id="2" name="Picture 1">
+            <a:extLst>
+              <a:ext uri="{FF2B5EF4-FFF2-40B4-BE49-F238E27FC236}">
+                <a16:creationId xmlns:a16="http://schemas.microsoft.com/office/drawing/2014/main" id="{CEB5C25C-F6ED-F046-B554-0760D9CC62A3}"/>
+              </a:ext>
+            </a:extLst>
+          </p:cNvPr>
+          <p:cNvPicPr>
+            <a:picLocks noChangeAspect="1"/>
+          </p:cNvPicPr>
+          <p:nvPr/>
+        </p:nvPicPr>
+        <p:blipFill>
+          <a:blip r:embed="rId2"/>
+          <a:stretch>
+            <a:fillRect/>
+          </a:stretch>
+        </p:blipFill>
+        <p:spPr>
+          <a:xfrm>
+            <a:off x="2286000" y="4495800"/>
+            <a:ext cx="4279900" cy="1968500"/>
+          </a:xfrm>
+          <a:prstGeom prst="rect">
+            <a:avLst/>
+          </a:prstGeom>
+          <a:ln>
+            <a:solidFill>
+              <a:schemeClr val="tx2"/>
+            </a:solidFill>
+          </a:ln>
+        </p:spPr>
+      </p:pic>
     </p:spTree>
     <p:extLst>
       <p:ext uri="{BB962C8B-B14F-4D97-AF65-F5344CB8AC3E}">
